--- a/ScatterPointGlyph/images/icon.pptx
+++ b/ScatterPointGlyph/images/icon.pptx
@@ -104,6 +104,11 @@
       </a:defRPr>
     </a:lvl9pPr>
   </p:defaultTextStyle>
+  <p:extLst>
+    <p:ext uri="{EFAFB233-063F-42B5-8137-9DF3F51BA10A}">
+      <p15:sldGuideLst xmlns:p15="http://schemas.microsoft.com/office/powerpoint/2012/main"/>
+    </p:ext>
+  </p:extLst>
 </p:presentation>
 </file>
 
@@ -238,7 +243,7 @@
           <a:p>
             <a:fld id="{ACF65EA2-5808-48A3-8DC5-DEB5903176AE}" type="datetimeFigureOut">
               <a:rPr lang="zh-CN" altLang="en-US" smtClean="0"/>
-              <a:t>2016/1/6</a:t>
+              <a:t>2016/1/25</a:t>
             </a:fld>
             <a:endParaRPr lang="zh-CN" altLang="en-US"/>
           </a:p>
@@ -408,7 +413,7 @@
           <a:p>
             <a:fld id="{ACF65EA2-5808-48A3-8DC5-DEB5903176AE}" type="datetimeFigureOut">
               <a:rPr lang="zh-CN" altLang="en-US" smtClean="0"/>
-              <a:t>2016/1/6</a:t>
+              <a:t>2016/1/25</a:t>
             </a:fld>
             <a:endParaRPr lang="zh-CN" altLang="en-US"/>
           </a:p>
@@ -588,7 +593,7 @@
           <a:p>
             <a:fld id="{ACF65EA2-5808-48A3-8DC5-DEB5903176AE}" type="datetimeFigureOut">
               <a:rPr lang="zh-CN" altLang="en-US" smtClean="0"/>
-              <a:t>2016/1/6</a:t>
+              <a:t>2016/1/25</a:t>
             </a:fld>
             <a:endParaRPr lang="zh-CN" altLang="en-US"/>
           </a:p>
@@ -758,7 +763,7 @@
           <a:p>
             <a:fld id="{ACF65EA2-5808-48A3-8DC5-DEB5903176AE}" type="datetimeFigureOut">
               <a:rPr lang="zh-CN" altLang="en-US" smtClean="0"/>
-              <a:t>2016/1/6</a:t>
+              <a:t>2016/1/25</a:t>
             </a:fld>
             <a:endParaRPr lang="zh-CN" altLang="en-US"/>
           </a:p>
@@ -1004,7 +1009,7 @@
           <a:p>
             <a:fld id="{ACF65EA2-5808-48A3-8DC5-DEB5903176AE}" type="datetimeFigureOut">
               <a:rPr lang="zh-CN" altLang="en-US" smtClean="0"/>
-              <a:t>2016/1/6</a:t>
+              <a:t>2016/1/25</a:t>
             </a:fld>
             <a:endParaRPr lang="zh-CN" altLang="en-US"/>
           </a:p>
@@ -1236,7 +1241,7 @@
           <a:p>
             <a:fld id="{ACF65EA2-5808-48A3-8DC5-DEB5903176AE}" type="datetimeFigureOut">
               <a:rPr lang="zh-CN" altLang="en-US" smtClean="0"/>
-              <a:t>2016/1/6</a:t>
+              <a:t>2016/1/25</a:t>
             </a:fld>
             <a:endParaRPr lang="zh-CN" altLang="en-US"/>
           </a:p>
@@ -1603,7 +1608,7 @@
           <a:p>
             <a:fld id="{ACF65EA2-5808-48A3-8DC5-DEB5903176AE}" type="datetimeFigureOut">
               <a:rPr lang="zh-CN" altLang="en-US" smtClean="0"/>
-              <a:t>2016/1/6</a:t>
+              <a:t>2016/1/25</a:t>
             </a:fld>
             <a:endParaRPr lang="zh-CN" altLang="en-US"/>
           </a:p>
@@ -1721,7 +1726,7 @@
           <a:p>
             <a:fld id="{ACF65EA2-5808-48A3-8DC5-DEB5903176AE}" type="datetimeFigureOut">
               <a:rPr lang="zh-CN" altLang="en-US" smtClean="0"/>
-              <a:t>2016/1/6</a:t>
+              <a:t>2016/1/25</a:t>
             </a:fld>
             <a:endParaRPr lang="zh-CN" altLang="en-US"/>
           </a:p>
@@ -1816,7 +1821,7 @@
           <a:p>
             <a:fld id="{ACF65EA2-5808-48A3-8DC5-DEB5903176AE}" type="datetimeFigureOut">
               <a:rPr lang="zh-CN" altLang="en-US" smtClean="0"/>
-              <a:t>2016/1/6</a:t>
+              <a:t>2016/1/25</a:t>
             </a:fld>
             <a:endParaRPr lang="zh-CN" altLang="en-US"/>
           </a:p>
@@ -2093,7 +2098,7 @@
           <a:p>
             <a:fld id="{ACF65EA2-5808-48A3-8DC5-DEB5903176AE}" type="datetimeFigureOut">
               <a:rPr lang="zh-CN" altLang="en-US" smtClean="0"/>
-              <a:t>2016/1/6</a:t>
+              <a:t>2016/1/25</a:t>
             </a:fld>
             <a:endParaRPr lang="zh-CN" altLang="en-US"/>
           </a:p>
@@ -2346,7 +2351,7 @@
           <a:p>
             <a:fld id="{ACF65EA2-5808-48A3-8DC5-DEB5903176AE}" type="datetimeFigureOut">
               <a:rPr lang="zh-CN" altLang="en-US" smtClean="0"/>
-              <a:t>2016/1/6</a:t>
+              <a:t>2016/1/25</a:t>
             </a:fld>
             <a:endParaRPr lang="zh-CN" altLang="en-US"/>
           </a:p>
@@ -2559,7 +2564,7 @@
           <a:p>
             <a:fld id="{ACF65EA2-5808-48A3-8DC5-DEB5903176AE}" type="datetimeFigureOut">
               <a:rPr lang="zh-CN" altLang="en-US" smtClean="0"/>
-              <a:t>2016/1/6</a:t>
+              <a:t>2016/1/25</a:t>
             </a:fld>
             <a:endParaRPr lang="zh-CN" altLang="en-US"/>
           </a:p>
@@ -3078,6 +3083,1364 @@
           </a:p>
         </p:txBody>
       </p:sp>
+      <p:grpSp>
+        <p:nvGrpSpPr>
+          <p:cNvPr id="3" name="组合 2"/>
+          <p:cNvGrpSpPr/>
+          <p:nvPr/>
+        </p:nvGrpSpPr>
+        <p:grpSpPr>
+          <a:xfrm>
+            <a:off x="3449741" y="1574981"/>
+            <a:ext cx="8128000" cy="3690620"/>
+            <a:chOff x="3449741" y="1574981"/>
+            <a:chExt cx="8128000" cy="3690620"/>
+          </a:xfrm>
+        </p:grpSpPr>
+        <p:sp>
+          <p:nvSpPr>
+            <p:cNvPr id="7" name="任意多边形 6"/>
+            <p:cNvSpPr/>
+            <p:nvPr/>
+          </p:nvSpPr>
+          <p:spPr>
+            <a:xfrm>
+              <a:off x="9500020" y="3929561"/>
+              <a:ext cx="91440" cy="320039"/>
+            </a:xfrm>
+            <a:custGeom>
+              <a:avLst/>
+              <a:gdLst/>
+              <a:ahLst/>
+              <a:cxnLst/>
+              <a:rect l="0" t="0" r="0" b="0"/>
+              <a:pathLst>
+                <a:path>
+                  <a:moveTo>
+                    <a:pt x="45720" y="0"/>
+                  </a:moveTo>
+                  <a:lnTo>
+                    <a:pt x="45720" y="320039"/>
+                  </a:lnTo>
+                </a:path>
+              </a:pathLst>
+            </a:custGeom>
+            <a:noFill/>
+          </p:spPr>
+          <p:style>
+            <a:lnRef idx="2">
+              <a:schemeClr val="accent5">
+                <a:hueOff val="0"/>
+                <a:satOff val="0"/>
+                <a:lumOff val="0"/>
+                <a:alphaOff val="0"/>
+              </a:schemeClr>
+            </a:lnRef>
+            <a:fillRef idx="0">
+              <a:scrgbClr r="0" g="0" b="0"/>
+            </a:fillRef>
+            <a:effectRef idx="0">
+              <a:schemeClr val="accent2">
+                <a:tint val="70000"/>
+                <a:hueOff val="0"/>
+                <a:satOff val="0"/>
+                <a:lumOff val="0"/>
+                <a:alphaOff val="0"/>
+              </a:schemeClr>
+            </a:effectRef>
+            <a:fontRef idx="minor">
+              <a:schemeClr val="tx1">
+                <a:hueOff val="0"/>
+                <a:satOff val="0"/>
+                <a:lumOff val="0"/>
+                <a:alphaOff val="0"/>
+              </a:schemeClr>
+            </a:fontRef>
+          </p:style>
+        </p:sp>
+        <p:sp>
+          <p:nvSpPr>
+            <p:cNvPr id="8" name="任意多边形 7"/>
+            <p:cNvSpPr/>
+            <p:nvPr/>
+          </p:nvSpPr>
+          <p:spPr>
+            <a:xfrm>
+              <a:off x="7450240" y="2593521"/>
+              <a:ext cx="2095500" cy="320040"/>
+            </a:xfrm>
+            <a:custGeom>
+              <a:avLst/>
+              <a:gdLst/>
+              <a:ahLst/>
+              <a:cxnLst/>
+              <a:rect l="0" t="0" r="0" b="0"/>
+              <a:pathLst>
+                <a:path>
+                  <a:moveTo>
+                    <a:pt x="0" y="0"/>
+                  </a:moveTo>
+                  <a:lnTo>
+                    <a:pt x="0" y="161290"/>
+                  </a:lnTo>
+                  <a:lnTo>
+                    <a:pt x="2095500" y="161290"/>
+                  </a:lnTo>
+                  <a:lnTo>
+                    <a:pt x="2095500" y="320040"/>
+                  </a:lnTo>
+                </a:path>
+              </a:pathLst>
+            </a:custGeom>
+            <a:noFill/>
+          </p:spPr>
+          <p:style>
+            <a:lnRef idx="2">
+              <a:schemeClr val="accent4">
+                <a:hueOff val="0"/>
+                <a:satOff val="0"/>
+                <a:lumOff val="0"/>
+                <a:alphaOff val="0"/>
+              </a:schemeClr>
+            </a:lnRef>
+            <a:fillRef idx="0">
+              <a:scrgbClr r="0" g="0" b="0"/>
+            </a:fillRef>
+            <a:effectRef idx="0">
+              <a:schemeClr val="accent2">
+                <a:tint val="90000"/>
+                <a:hueOff val="0"/>
+                <a:satOff val="0"/>
+                <a:lumOff val="0"/>
+                <a:alphaOff val="0"/>
+              </a:schemeClr>
+            </a:effectRef>
+            <a:fontRef idx="minor">
+              <a:schemeClr val="tx1">
+                <a:hueOff val="0"/>
+                <a:satOff val="0"/>
+                <a:lumOff val="0"/>
+                <a:alphaOff val="0"/>
+              </a:schemeClr>
+            </a:fontRef>
+          </p:style>
+        </p:sp>
+        <p:sp>
+          <p:nvSpPr>
+            <p:cNvPr id="9" name="任意多边形 8"/>
+            <p:cNvSpPr/>
+            <p:nvPr/>
+          </p:nvSpPr>
+          <p:spPr>
+            <a:xfrm>
+              <a:off x="5354740" y="3929561"/>
+              <a:ext cx="1397000" cy="320039"/>
+            </a:xfrm>
+            <a:custGeom>
+              <a:avLst/>
+              <a:gdLst/>
+              <a:ahLst/>
+              <a:cxnLst/>
+              <a:rect l="0" t="0" r="0" b="0"/>
+              <a:pathLst>
+                <a:path>
+                  <a:moveTo>
+                    <a:pt x="0" y="0"/>
+                  </a:moveTo>
+                  <a:lnTo>
+                    <a:pt x="0" y="161289"/>
+                  </a:lnTo>
+                  <a:lnTo>
+                    <a:pt x="1397000" y="161289"/>
+                  </a:lnTo>
+                  <a:lnTo>
+                    <a:pt x="1397000" y="320039"/>
+                  </a:lnTo>
+                </a:path>
+              </a:pathLst>
+            </a:custGeom>
+            <a:noFill/>
+          </p:spPr>
+          <p:style>
+            <a:lnRef idx="2">
+              <a:schemeClr val="accent5">
+                <a:hueOff val="0"/>
+                <a:satOff val="0"/>
+                <a:lumOff val="0"/>
+                <a:alphaOff val="0"/>
+              </a:schemeClr>
+            </a:lnRef>
+            <a:fillRef idx="0">
+              <a:scrgbClr r="0" g="0" b="0"/>
+            </a:fillRef>
+            <a:effectRef idx="0">
+              <a:schemeClr val="accent2">
+                <a:tint val="70000"/>
+                <a:hueOff val="0"/>
+                <a:satOff val="0"/>
+                <a:lumOff val="0"/>
+                <a:alphaOff val="0"/>
+              </a:schemeClr>
+            </a:effectRef>
+            <a:fontRef idx="minor">
+              <a:schemeClr val="tx1">
+                <a:hueOff val="0"/>
+                <a:satOff val="0"/>
+                <a:lumOff val="0"/>
+                <a:alphaOff val="0"/>
+              </a:schemeClr>
+            </a:fontRef>
+          </p:style>
+        </p:sp>
+        <p:sp>
+          <p:nvSpPr>
+            <p:cNvPr id="10" name="任意多边形 9"/>
+            <p:cNvSpPr/>
+            <p:nvPr/>
+          </p:nvSpPr>
+          <p:spPr>
+            <a:xfrm>
+              <a:off x="3957740" y="3929561"/>
+              <a:ext cx="1397000" cy="320039"/>
+            </a:xfrm>
+            <a:custGeom>
+              <a:avLst/>
+              <a:gdLst/>
+              <a:ahLst/>
+              <a:cxnLst/>
+              <a:rect l="0" t="0" r="0" b="0"/>
+              <a:pathLst>
+                <a:path>
+                  <a:moveTo>
+                    <a:pt x="1397000" y="0"/>
+                  </a:moveTo>
+                  <a:lnTo>
+                    <a:pt x="1397000" y="161289"/>
+                  </a:lnTo>
+                  <a:lnTo>
+                    <a:pt x="0" y="161289"/>
+                  </a:lnTo>
+                  <a:lnTo>
+                    <a:pt x="0" y="320039"/>
+                  </a:lnTo>
+                </a:path>
+              </a:pathLst>
+            </a:custGeom>
+            <a:noFill/>
+          </p:spPr>
+          <p:style>
+            <a:lnRef idx="2">
+              <a:schemeClr val="accent5">
+                <a:hueOff val="0"/>
+                <a:satOff val="0"/>
+                <a:lumOff val="0"/>
+                <a:alphaOff val="0"/>
+              </a:schemeClr>
+            </a:lnRef>
+            <a:fillRef idx="0">
+              <a:scrgbClr r="0" g="0" b="0"/>
+            </a:fillRef>
+            <a:effectRef idx="0">
+              <a:schemeClr val="accent2">
+                <a:tint val="70000"/>
+                <a:hueOff val="0"/>
+                <a:satOff val="0"/>
+                <a:lumOff val="0"/>
+                <a:alphaOff val="0"/>
+              </a:schemeClr>
+            </a:effectRef>
+            <a:fontRef idx="minor">
+              <a:schemeClr val="tx1">
+                <a:hueOff val="0"/>
+                <a:satOff val="0"/>
+                <a:lumOff val="0"/>
+                <a:alphaOff val="0"/>
+              </a:schemeClr>
+            </a:fontRef>
+          </p:style>
+        </p:sp>
+        <p:sp>
+          <p:nvSpPr>
+            <p:cNvPr id="11" name="任意多边形 10"/>
+            <p:cNvSpPr/>
+            <p:nvPr/>
+          </p:nvSpPr>
+          <p:spPr>
+            <a:xfrm>
+              <a:off x="5354740" y="2593521"/>
+              <a:ext cx="2095500" cy="320040"/>
+            </a:xfrm>
+            <a:custGeom>
+              <a:avLst/>
+              <a:gdLst/>
+              <a:ahLst/>
+              <a:cxnLst/>
+              <a:rect l="0" t="0" r="0" b="0"/>
+              <a:pathLst>
+                <a:path>
+                  <a:moveTo>
+                    <a:pt x="2095500" y="0"/>
+                  </a:moveTo>
+                  <a:lnTo>
+                    <a:pt x="2095500" y="161290"/>
+                  </a:lnTo>
+                  <a:lnTo>
+                    <a:pt x="0" y="161290"/>
+                  </a:lnTo>
+                  <a:lnTo>
+                    <a:pt x="0" y="320040"/>
+                  </a:lnTo>
+                </a:path>
+              </a:pathLst>
+            </a:custGeom>
+            <a:noFill/>
+          </p:spPr>
+          <p:style>
+            <a:lnRef idx="2">
+              <a:schemeClr val="accent4">
+                <a:hueOff val="0"/>
+                <a:satOff val="0"/>
+                <a:lumOff val="0"/>
+                <a:alphaOff val="0"/>
+              </a:schemeClr>
+            </a:lnRef>
+            <a:fillRef idx="0">
+              <a:scrgbClr r="0" g="0" b="0"/>
+            </a:fillRef>
+            <a:effectRef idx="0">
+              <a:schemeClr val="accent2">
+                <a:tint val="90000"/>
+                <a:hueOff val="0"/>
+                <a:satOff val="0"/>
+                <a:lumOff val="0"/>
+                <a:alphaOff val="0"/>
+              </a:schemeClr>
+            </a:effectRef>
+            <a:fontRef idx="minor">
+              <a:schemeClr val="tx1">
+                <a:hueOff val="0"/>
+                <a:satOff val="0"/>
+                <a:lumOff val="0"/>
+                <a:alphaOff val="0"/>
+              </a:schemeClr>
+            </a:fontRef>
+          </p:style>
+        </p:sp>
+        <p:sp>
+          <p:nvSpPr>
+            <p:cNvPr id="12" name="椭圆 11"/>
+            <p:cNvSpPr/>
+            <p:nvPr/>
+          </p:nvSpPr>
+          <p:spPr>
+            <a:xfrm>
+              <a:off x="6942240" y="1577521"/>
+              <a:ext cx="1016000" cy="1016000"/>
+            </a:xfrm>
+            <a:prstGeom prst="ellipse">
+              <a:avLst/>
+            </a:prstGeom>
+          </p:spPr>
+          <p:style>
+            <a:lnRef idx="0">
+              <a:schemeClr val="lt1">
+                <a:hueOff val="0"/>
+                <a:satOff val="0"/>
+                <a:lumOff val="0"/>
+                <a:alphaOff val="0"/>
+              </a:schemeClr>
+            </a:lnRef>
+            <a:fillRef idx="3">
+              <a:schemeClr val="accent2">
+                <a:hueOff val="0"/>
+                <a:satOff val="0"/>
+                <a:lumOff val="0"/>
+                <a:alphaOff val="0"/>
+              </a:schemeClr>
+            </a:fillRef>
+            <a:effectRef idx="3">
+              <a:schemeClr val="accent2">
+                <a:hueOff val="0"/>
+                <a:satOff val="0"/>
+                <a:lumOff val="0"/>
+                <a:alphaOff val="0"/>
+              </a:schemeClr>
+            </a:effectRef>
+            <a:fontRef idx="minor">
+              <a:schemeClr val="lt1"/>
+            </a:fontRef>
+          </p:style>
+        </p:sp>
+        <p:sp>
+          <p:nvSpPr>
+            <p:cNvPr id="13" name="任意多边形 12"/>
+            <p:cNvSpPr/>
+            <p:nvPr/>
+          </p:nvSpPr>
+          <p:spPr>
+            <a:xfrm>
+              <a:off x="7958240" y="1574981"/>
+              <a:ext cx="1524000" cy="1016000"/>
+            </a:xfrm>
+            <a:custGeom>
+              <a:avLst/>
+              <a:gdLst>
+                <a:gd name="connsiteX0" fmla="*/ 0 w 1524000"/>
+                <a:gd name="connsiteY0" fmla="*/ 0 h 1016000"/>
+                <a:gd name="connsiteX1" fmla="*/ 1524000 w 1524000"/>
+                <a:gd name="connsiteY1" fmla="*/ 0 h 1016000"/>
+                <a:gd name="connsiteX2" fmla="*/ 1524000 w 1524000"/>
+                <a:gd name="connsiteY2" fmla="*/ 1016000 h 1016000"/>
+                <a:gd name="connsiteX3" fmla="*/ 0 w 1524000"/>
+                <a:gd name="connsiteY3" fmla="*/ 1016000 h 1016000"/>
+                <a:gd name="connsiteX4" fmla="*/ 0 w 1524000"/>
+                <a:gd name="connsiteY4" fmla="*/ 0 h 1016000"/>
+              </a:gdLst>
+              <a:ahLst/>
+              <a:cxnLst>
+                <a:cxn ang="0">
+                  <a:pos x="connsiteX0" y="connsiteY0"/>
+                </a:cxn>
+                <a:cxn ang="0">
+                  <a:pos x="connsiteX1" y="connsiteY1"/>
+                </a:cxn>
+                <a:cxn ang="0">
+                  <a:pos x="connsiteX2" y="connsiteY2"/>
+                </a:cxn>
+                <a:cxn ang="0">
+                  <a:pos x="connsiteX3" y="connsiteY3"/>
+                </a:cxn>
+                <a:cxn ang="0">
+                  <a:pos x="connsiteX4" y="connsiteY4"/>
+                </a:cxn>
+              </a:cxnLst>
+              <a:rect l="l" t="t" r="r" b="b"/>
+              <a:pathLst>
+                <a:path w="1524000" h="1016000">
+                  <a:moveTo>
+                    <a:pt x="0" y="0"/>
+                  </a:moveTo>
+                  <a:lnTo>
+                    <a:pt x="1524000" y="0"/>
+                  </a:lnTo>
+                  <a:lnTo>
+                    <a:pt x="1524000" y="1016000"/>
+                  </a:lnTo>
+                  <a:lnTo>
+                    <a:pt x="0" y="1016000"/>
+                  </a:lnTo>
+                  <a:lnTo>
+                    <a:pt x="0" y="0"/>
+                  </a:lnTo>
+                  <a:close/>
+                </a:path>
+              </a:pathLst>
+            </a:custGeom>
+          </p:spPr>
+          <p:style>
+            <a:lnRef idx="0">
+              <a:schemeClr val="dk1">
+                <a:alpha val="0"/>
+                <a:hueOff val="0"/>
+                <a:satOff val="0"/>
+                <a:lumOff val="0"/>
+                <a:alphaOff val="0"/>
+              </a:schemeClr>
+            </a:lnRef>
+            <a:fillRef idx="0">
+              <a:schemeClr val="lt1">
+                <a:alpha val="0"/>
+                <a:hueOff val="0"/>
+                <a:satOff val="0"/>
+                <a:lumOff val="0"/>
+                <a:alphaOff val="0"/>
+              </a:schemeClr>
+            </a:fillRef>
+            <a:effectRef idx="0">
+              <a:schemeClr val="lt1">
+                <a:alpha val="0"/>
+                <a:hueOff val="0"/>
+                <a:satOff val="0"/>
+                <a:lumOff val="0"/>
+                <a:alphaOff val="0"/>
+              </a:schemeClr>
+            </a:effectRef>
+            <a:fontRef idx="minor">
+              <a:schemeClr val="tx1">
+                <a:hueOff val="0"/>
+                <a:satOff val="0"/>
+                <a:lumOff val="0"/>
+                <a:alphaOff val="0"/>
+              </a:schemeClr>
+            </a:fontRef>
+          </p:style>
+          <p:txBody>
+            <a:bodyPr spcFirstLastPara="0" vert="horz" wrap="square" lIns="156210" tIns="156210" rIns="156210" bIns="156210" numCol="1" spcCol="1270" anchor="ctr" anchorCtr="0">
+              <a:noAutofit/>
+            </a:bodyPr>
+            <a:lstStyle/>
+            <a:p>
+              <a:pPr lvl="0" algn="l" defTabSz="1822450">
+                <a:lnSpc>
+                  <a:spcPct val="90000"/>
+                </a:lnSpc>
+                <a:spcBef>
+                  <a:spcPct val="0"/>
+                </a:spcBef>
+                <a:spcAft>
+                  <a:spcPct val="35000"/>
+                </a:spcAft>
+              </a:pPr>
+              <a:endParaRPr lang="zh-CN" altLang="en-US" sz="4100" kern="1200" dirty="0"/>
+            </a:p>
+          </p:txBody>
+        </p:sp>
+        <p:sp>
+          <p:nvSpPr>
+            <p:cNvPr id="14" name="椭圆 13"/>
+            <p:cNvSpPr/>
+            <p:nvPr/>
+          </p:nvSpPr>
+          <p:spPr>
+            <a:xfrm>
+              <a:off x="4846740" y="2913561"/>
+              <a:ext cx="1016000" cy="1016000"/>
+            </a:xfrm>
+            <a:prstGeom prst="ellipse">
+              <a:avLst/>
+            </a:prstGeom>
+          </p:spPr>
+          <p:style>
+            <a:lnRef idx="0">
+              <a:schemeClr val="lt1">
+                <a:hueOff val="0"/>
+                <a:satOff val="0"/>
+                <a:lumOff val="0"/>
+                <a:alphaOff val="0"/>
+              </a:schemeClr>
+            </a:lnRef>
+            <a:fillRef idx="3">
+              <a:schemeClr val="accent4">
+                <a:hueOff val="0"/>
+                <a:satOff val="0"/>
+                <a:lumOff val="0"/>
+                <a:alphaOff val="0"/>
+              </a:schemeClr>
+            </a:fillRef>
+            <a:effectRef idx="3">
+              <a:schemeClr val="accent4">
+                <a:hueOff val="0"/>
+                <a:satOff val="0"/>
+                <a:lumOff val="0"/>
+                <a:alphaOff val="0"/>
+              </a:schemeClr>
+            </a:effectRef>
+            <a:fontRef idx="minor">
+              <a:schemeClr val="lt1"/>
+            </a:fontRef>
+          </p:style>
+        </p:sp>
+        <p:sp>
+          <p:nvSpPr>
+            <p:cNvPr id="15" name="任意多边形 14"/>
+            <p:cNvSpPr/>
+            <p:nvPr/>
+          </p:nvSpPr>
+          <p:spPr>
+            <a:xfrm>
+              <a:off x="5862740" y="2911021"/>
+              <a:ext cx="1524000" cy="1016000"/>
+            </a:xfrm>
+            <a:custGeom>
+              <a:avLst/>
+              <a:gdLst>
+                <a:gd name="connsiteX0" fmla="*/ 0 w 1524000"/>
+                <a:gd name="connsiteY0" fmla="*/ 0 h 1016000"/>
+                <a:gd name="connsiteX1" fmla="*/ 1524000 w 1524000"/>
+                <a:gd name="connsiteY1" fmla="*/ 0 h 1016000"/>
+                <a:gd name="connsiteX2" fmla="*/ 1524000 w 1524000"/>
+                <a:gd name="connsiteY2" fmla="*/ 1016000 h 1016000"/>
+                <a:gd name="connsiteX3" fmla="*/ 0 w 1524000"/>
+                <a:gd name="connsiteY3" fmla="*/ 1016000 h 1016000"/>
+                <a:gd name="connsiteX4" fmla="*/ 0 w 1524000"/>
+                <a:gd name="connsiteY4" fmla="*/ 0 h 1016000"/>
+              </a:gdLst>
+              <a:ahLst/>
+              <a:cxnLst>
+                <a:cxn ang="0">
+                  <a:pos x="connsiteX0" y="connsiteY0"/>
+                </a:cxn>
+                <a:cxn ang="0">
+                  <a:pos x="connsiteX1" y="connsiteY1"/>
+                </a:cxn>
+                <a:cxn ang="0">
+                  <a:pos x="connsiteX2" y="connsiteY2"/>
+                </a:cxn>
+                <a:cxn ang="0">
+                  <a:pos x="connsiteX3" y="connsiteY3"/>
+                </a:cxn>
+                <a:cxn ang="0">
+                  <a:pos x="connsiteX4" y="connsiteY4"/>
+                </a:cxn>
+              </a:cxnLst>
+              <a:rect l="l" t="t" r="r" b="b"/>
+              <a:pathLst>
+                <a:path w="1524000" h="1016000">
+                  <a:moveTo>
+                    <a:pt x="0" y="0"/>
+                  </a:moveTo>
+                  <a:lnTo>
+                    <a:pt x="1524000" y="0"/>
+                  </a:lnTo>
+                  <a:lnTo>
+                    <a:pt x="1524000" y="1016000"/>
+                  </a:lnTo>
+                  <a:lnTo>
+                    <a:pt x="0" y="1016000"/>
+                  </a:lnTo>
+                  <a:lnTo>
+                    <a:pt x="0" y="0"/>
+                  </a:lnTo>
+                  <a:close/>
+                </a:path>
+              </a:pathLst>
+            </a:custGeom>
+          </p:spPr>
+          <p:style>
+            <a:lnRef idx="0">
+              <a:schemeClr val="dk1">
+                <a:alpha val="0"/>
+                <a:hueOff val="0"/>
+                <a:satOff val="0"/>
+                <a:lumOff val="0"/>
+                <a:alphaOff val="0"/>
+              </a:schemeClr>
+            </a:lnRef>
+            <a:fillRef idx="0">
+              <a:schemeClr val="lt1">
+                <a:alpha val="0"/>
+                <a:hueOff val="0"/>
+                <a:satOff val="0"/>
+                <a:lumOff val="0"/>
+                <a:alphaOff val="0"/>
+              </a:schemeClr>
+            </a:fillRef>
+            <a:effectRef idx="0">
+              <a:schemeClr val="lt1">
+                <a:alpha val="0"/>
+                <a:hueOff val="0"/>
+                <a:satOff val="0"/>
+                <a:lumOff val="0"/>
+                <a:alphaOff val="0"/>
+              </a:schemeClr>
+            </a:effectRef>
+            <a:fontRef idx="minor">
+              <a:schemeClr val="tx1">
+                <a:hueOff val="0"/>
+                <a:satOff val="0"/>
+                <a:lumOff val="0"/>
+                <a:alphaOff val="0"/>
+              </a:schemeClr>
+            </a:fontRef>
+          </p:style>
+          <p:txBody>
+            <a:bodyPr spcFirstLastPara="0" vert="horz" wrap="square" lIns="156210" tIns="156210" rIns="156210" bIns="156210" numCol="1" spcCol="1270" anchor="ctr" anchorCtr="0">
+              <a:noAutofit/>
+            </a:bodyPr>
+            <a:lstStyle/>
+            <a:p>
+              <a:pPr lvl="0" algn="l" defTabSz="1822450">
+                <a:lnSpc>
+                  <a:spcPct val="90000"/>
+                </a:lnSpc>
+                <a:spcBef>
+                  <a:spcPct val="0"/>
+                </a:spcBef>
+                <a:spcAft>
+                  <a:spcPct val="35000"/>
+                </a:spcAft>
+              </a:pPr>
+              <a:endParaRPr lang="zh-CN" altLang="en-US" sz="4100" kern="1200" dirty="0"/>
+            </a:p>
+          </p:txBody>
+        </p:sp>
+        <p:sp>
+          <p:nvSpPr>
+            <p:cNvPr id="16" name="椭圆 15"/>
+            <p:cNvSpPr/>
+            <p:nvPr/>
+          </p:nvSpPr>
+          <p:spPr>
+            <a:xfrm>
+              <a:off x="3449741" y="4249601"/>
+              <a:ext cx="1016000" cy="1016000"/>
+            </a:xfrm>
+            <a:prstGeom prst="ellipse">
+              <a:avLst/>
+            </a:prstGeom>
+          </p:spPr>
+          <p:style>
+            <a:lnRef idx="0">
+              <a:schemeClr val="lt1">
+                <a:hueOff val="0"/>
+                <a:satOff val="0"/>
+                <a:lumOff val="0"/>
+                <a:alphaOff val="0"/>
+              </a:schemeClr>
+            </a:lnRef>
+            <a:fillRef idx="3">
+              <a:schemeClr val="accent5">
+                <a:hueOff val="0"/>
+                <a:satOff val="0"/>
+                <a:lumOff val="0"/>
+                <a:alphaOff val="0"/>
+              </a:schemeClr>
+            </a:fillRef>
+            <a:effectRef idx="3">
+              <a:schemeClr val="accent5">
+                <a:hueOff val="0"/>
+                <a:satOff val="0"/>
+                <a:lumOff val="0"/>
+                <a:alphaOff val="0"/>
+              </a:schemeClr>
+            </a:effectRef>
+            <a:fontRef idx="minor">
+              <a:schemeClr val="lt1"/>
+            </a:fontRef>
+          </p:style>
+        </p:sp>
+        <p:sp>
+          <p:nvSpPr>
+            <p:cNvPr id="17" name="任意多边形 16"/>
+            <p:cNvSpPr/>
+            <p:nvPr/>
+          </p:nvSpPr>
+          <p:spPr>
+            <a:xfrm>
+              <a:off x="4465740" y="4247061"/>
+              <a:ext cx="1524000" cy="1016000"/>
+            </a:xfrm>
+            <a:custGeom>
+              <a:avLst/>
+              <a:gdLst>
+                <a:gd name="connsiteX0" fmla="*/ 0 w 1524000"/>
+                <a:gd name="connsiteY0" fmla="*/ 0 h 1016000"/>
+                <a:gd name="connsiteX1" fmla="*/ 1524000 w 1524000"/>
+                <a:gd name="connsiteY1" fmla="*/ 0 h 1016000"/>
+                <a:gd name="connsiteX2" fmla="*/ 1524000 w 1524000"/>
+                <a:gd name="connsiteY2" fmla="*/ 1016000 h 1016000"/>
+                <a:gd name="connsiteX3" fmla="*/ 0 w 1524000"/>
+                <a:gd name="connsiteY3" fmla="*/ 1016000 h 1016000"/>
+                <a:gd name="connsiteX4" fmla="*/ 0 w 1524000"/>
+                <a:gd name="connsiteY4" fmla="*/ 0 h 1016000"/>
+              </a:gdLst>
+              <a:ahLst/>
+              <a:cxnLst>
+                <a:cxn ang="0">
+                  <a:pos x="connsiteX0" y="connsiteY0"/>
+                </a:cxn>
+                <a:cxn ang="0">
+                  <a:pos x="connsiteX1" y="connsiteY1"/>
+                </a:cxn>
+                <a:cxn ang="0">
+                  <a:pos x="connsiteX2" y="connsiteY2"/>
+                </a:cxn>
+                <a:cxn ang="0">
+                  <a:pos x="connsiteX3" y="connsiteY3"/>
+                </a:cxn>
+                <a:cxn ang="0">
+                  <a:pos x="connsiteX4" y="connsiteY4"/>
+                </a:cxn>
+              </a:cxnLst>
+              <a:rect l="l" t="t" r="r" b="b"/>
+              <a:pathLst>
+                <a:path w="1524000" h="1016000">
+                  <a:moveTo>
+                    <a:pt x="0" y="0"/>
+                  </a:moveTo>
+                  <a:lnTo>
+                    <a:pt x="1524000" y="0"/>
+                  </a:lnTo>
+                  <a:lnTo>
+                    <a:pt x="1524000" y="1016000"/>
+                  </a:lnTo>
+                  <a:lnTo>
+                    <a:pt x="0" y="1016000"/>
+                  </a:lnTo>
+                  <a:lnTo>
+                    <a:pt x="0" y="0"/>
+                  </a:lnTo>
+                  <a:close/>
+                </a:path>
+              </a:pathLst>
+            </a:custGeom>
+          </p:spPr>
+          <p:style>
+            <a:lnRef idx="0">
+              <a:schemeClr val="dk1">
+                <a:alpha val="0"/>
+                <a:hueOff val="0"/>
+                <a:satOff val="0"/>
+                <a:lumOff val="0"/>
+                <a:alphaOff val="0"/>
+              </a:schemeClr>
+            </a:lnRef>
+            <a:fillRef idx="0">
+              <a:schemeClr val="lt1">
+                <a:alpha val="0"/>
+                <a:hueOff val="0"/>
+                <a:satOff val="0"/>
+                <a:lumOff val="0"/>
+                <a:alphaOff val="0"/>
+              </a:schemeClr>
+            </a:fillRef>
+            <a:effectRef idx="0">
+              <a:schemeClr val="lt1">
+                <a:alpha val="0"/>
+                <a:hueOff val="0"/>
+                <a:satOff val="0"/>
+                <a:lumOff val="0"/>
+                <a:alphaOff val="0"/>
+              </a:schemeClr>
+            </a:effectRef>
+            <a:fontRef idx="minor">
+              <a:schemeClr val="tx1">
+                <a:hueOff val="0"/>
+                <a:satOff val="0"/>
+                <a:lumOff val="0"/>
+                <a:alphaOff val="0"/>
+              </a:schemeClr>
+            </a:fontRef>
+          </p:style>
+          <p:txBody>
+            <a:bodyPr spcFirstLastPara="0" vert="horz" wrap="square" lIns="156210" tIns="156210" rIns="156210" bIns="156210" numCol="1" spcCol="1270" anchor="ctr" anchorCtr="0">
+              <a:noAutofit/>
+            </a:bodyPr>
+            <a:lstStyle/>
+            <a:p>
+              <a:pPr lvl="0" algn="l" defTabSz="1822450">
+                <a:lnSpc>
+                  <a:spcPct val="90000"/>
+                </a:lnSpc>
+                <a:spcBef>
+                  <a:spcPct val="0"/>
+                </a:spcBef>
+                <a:spcAft>
+                  <a:spcPct val="35000"/>
+                </a:spcAft>
+              </a:pPr>
+              <a:endParaRPr lang="zh-CN" altLang="en-US" sz="4100" kern="1200" dirty="0"/>
+            </a:p>
+          </p:txBody>
+        </p:sp>
+        <p:sp>
+          <p:nvSpPr>
+            <p:cNvPr id="18" name="椭圆 17"/>
+            <p:cNvSpPr/>
+            <p:nvPr/>
+          </p:nvSpPr>
+          <p:spPr>
+            <a:xfrm>
+              <a:off x="6243740" y="4249601"/>
+              <a:ext cx="1016000" cy="1016000"/>
+            </a:xfrm>
+            <a:prstGeom prst="ellipse">
+              <a:avLst/>
+            </a:prstGeom>
+          </p:spPr>
+          <p:style>
+            <a:lnRef idx="0">
+              <a:schemeClr val="lt1">
+                <a:hueOff val="0"/>
+                <a:satOff val="0"/>
+                <a:lumOff val="0"/>
+                <a:alphaOff val="0"/>
+              </a:schemeClr>
+            </a:lnRef>
+            <a:fillRef idx="3">
+              <a:schemeClr val="accent5">
+                <a:hueOff val="0"/>
+                <a:satOff val="0"/>
+                <a:lumOff val="0"/>
+                <a:alphaOff val="0"/>
+              </a:schemeClr>
+            </a:fillRef>
+            <a:effectRef idx="3">
+              <a:schemeClr val="accent5">
+                <a:hueOff val="0"/>
+                <a:satOff val="0"/>
+                <a:lumOff val="0"/>
+                <a:alphaOff val="0"/>
+              </a:schemeClr>
+            </a:effectRef>
+            <a:fontRef idx="minor">
+              <a:schemeClr val="lt1"/>
+            </a:fontRef>
+          </p:style>
+        </p:sp>
+        <p:sp>
+          <p:nvSpPr>
+            <p:cNvPr id="19" name="任意多边形 18"/>
+            <p:cNvSpPr/>
+            <p:nvPr/>
+          </p:nvSpPr>
+          <p:spPr>
+            <a:xfrm>
+              <a:off x="7259740" y="4247061"/>
+              <a:ext cx="1524000" cy="1016000"/>
+            </a:xfrm>
+            <a:custGeom>
+              <a:avLst/>
+              <a:gdLst>
+                <a:gd name="connsiteX0" fmla="*/ 0 w 1524000"/>
+                <a:gd name="connsiteY0" fmla="*/ 0 h 1016000"/>
+                <a:gd name="connsiteX1" fmla="*/ 1524000 w 1524000"/>
+                <a:gd name="connsiteY1" fmla="*/ 0 h 1016000"/>
+                <a:gd name="connsiteX2" fmla="*/ 1524000 w 1524000"/>
+                <a:gd name="connsiteY2" fmla="*/ 1016000 h 1016000"/>
+                <a:gd name="connsiteX3" fmla="*/ 0 w 1524000"/>
+                <a:gd name="connsiteY3" fmla="*/ 1016000 h 1016000"/>
+                <a:gd name="connsiteX4" fmla="*/ 0 w 1524000"/>
+                <a:gd name="connsiteY4" fmla="*/ 0 h 1016000"/>
+              </a:gdLst>
+              <a:ahLst/>
+              <a:cxnLst>
+                <a:cxn ang="0">
+                  <a:pos x="connsiteX0" y="connsiteY0"/>
+                </a:cxn>
+                <a:cxn ang="0">
+                  <a:pos x="connsiteX1" y="connsiteY1"/>
+                </a:cxn>
+                <a:cxn ang="0">
+                  <a:pos x="connsiteX2" y="connsiteY2"/>
+                </a:cxn>
+                <a:cxn ang="0">
+                  <a:pos x="connsiteX3" y="connsiteY3"/>
+                </a:cxn>
+                <a:cxn ang="0">
+                  <a:pos x="connsiteX4" y="connsiteY4"/>
+                </a:cxn>
+              </a:cxnLst>
+              <a:rect l="l" t="t" r="r" b="b"/>
+              <a:pathLst>
+                <a:path w="1524000" h="1016000">
+                  <a:moveTo>
+                    <a:pt x="0" y="0"/>
+                  </a:moveTo>
+                  <a:lnTo>
+                    <a:pt x="1524000" y="0"/>
+                  </a:lnTo>
+                  <a:lnTo>
+                    <a:pt x="1524000" y="1016000"/>
+                  </a:lnTo>
+                  <a:lnTo>
+                    <a:pt x="0" y="1016000"/>
+                  </a:lnTo>
+                  <a:lnTo>
+                    <a:pt x="0" y="0"/>
+                  </a:lnTo>
+                  <a:close/>
+                </a:path>
+              </a:pathLst>
+            </a:custGeom>
+          </p:spPr>
+          <p:style>
+            <a:lnRef idx="0">
+              <a:schemeClr val="dk1">
+                <a:alpha val="0"/>
+                <a:hueOff val="0"/>
+                <a:satOff val="0"/>
+                <a:lumOff val="0"/>
+                <a:alphaOff val="0"/>
+              </a:schemeClr>
+            </a:lnRef>
+            <a:fillRef idx="0">
+              <a:schemeClr val="lt1">
+                <a:alpha val="0"/>
+                <a:hueOff val="0"/>
+                <a:satOff val="0"/>
+                <a:lumOff val="0"/>
+                <a:alphaOff val="0"/>
+              </a:schemeClr>
+            </a:fillRef>
+            <a:effectRef idx="0">
+              <a:schemeClr val="lt1">
+                <a:alpha val="0"/>
+                <a:hueOff val="0"/>
+                <a:satOff val="0"/>
+                <a:lumOff val="0"/>
+                <a:alphaOff val="0"/>
+              </a:schemeClr>
+            </a:effectRef>
+            <a:fontRef idx="minor">
+              <a:schemeClr val="tx1">
+                <a:hueOff val="0"/>
+                <a:satOff val="0"/>
+                <a:lumOff val="0"/>
+                <a:alphaOff val="0"/>
+              </a:schemeClr>
+            </a:fontRef>
+          </p:style>
+          <p:txBody>
+            <a:bodyPr spcFirstLastPara="0" vert="horz" wrap="square" lIns="156210" tIns="156210" rIns="156210" bIns="156210" numCol="1" spcCol="1270" anchor="ctr" anchorCtr="0">
+              <a:noAutofit/>
+            </a:bodyPr>
+            <a:lstStyle/>
+            <a:p>
+              <a:pPr lvl="0" algn="l" defTabSz="1822450">
+                <a:lnSpc>
+                  <a:spcPct val="90000"/>
+                </a:lnSpc>
+                <a:spcBef>
+                  <a:spcPct val="0"/>
+                </a:spcBef>
+                <a:spcAft>
+                  <a:spcPct val="35000"/>
+                </a:spcAft>
+              </a:pPr>
+              <a:endParaRPr lang="zh-CN" altLang="en-US" sz="4100" kern="1200" dirty="0"/>
+            </a:p>
+          </p:txBody>
+        </p:sp>
+        <p:sp>
+          <p:nvSpPr>
+            <p:cNvPr id="20" name="椭圆 19"/>
+            <p:cNvSpPr/>
+            <p:nvPr/>
+          </p:nvSpPr>
+          <p:spPr>
+            <a:xfrm>
+              <a:off x="9037740" y="2913561"/>
+              <a:ext cx="1016000" cy="1016000"/>
+            </a:xfrm>
+            <a:prstGeom prst="ellipse">
+              <a:avLst/>
+            </a:prstGeom>
+          </p:spPr>
+          <p:style>
+            <a:lnRef idx="0">
+              <a:schemeClr val="lt1">
+                <a:hueOff val="0"/>
+                <a:satOff val="0"/>
+                <a:lumOff val="0"/>
+                <a:alphaOff val="0"/>
+              </a:schemeClr>
+            </a:lnRef>
+            <a:fillRef idx="3">
+              <a:schemeClr val="accent4">
+                <a:hueOff val="0"/>
+                <a:satOff val="0"/>
+                <a:lumOff val="0"/>
+                <a:alphaOff val="0"/>
+              </a:schemeClr>
+            </a:fillRef>
+            <a:effectRef idx="3">
+              <a:schemeClr val="accent4">
+                <a:hueOff val="0"/>
+                <a:satOff val="0"/>
+                <a:lumOff val="0"/>
+                <a:alphaOff val="0"/>
+              </a:schemeClr>
+            </a:effectRef>
+            <a:fontRef idx="minor">
+              <a:schemeClr val="lt1"/>
+            </a:fontRef>
+          </p:style>
+        </p:sp>
+        <p:sp>
+          <p:nvSpPr>
+            <p:cNvPr id="21" name="任意多边形 20"/>
+            <p:cNvSpPr/>
+            <p:nvPr/>
+          </p:nvSpPr>
+          <p:spPr>
+            <a:xfrm>
+              <a:off x="10053741" y="2911021"/>
+              <a:ext cx="1524000" cy="1016000"/>
+            </a:xfrm>
+            <a:custGeom>
+              <a:avLst/>
+              <a:gdLst>
+                <a:gd name="connsiteX0" fmla="*/ 0 w 1524000"/>
+                <a:gd name="connsiteY0" fmla="*/ 0 h 1016000"/>
+                <a:gd name="connsiteX1" fmla="*/ 1524000 w 1524000"/>
+                <a:gd name="connsiteY1" fmla="*/ 0 h 1016000"/>
+                <a:gd name="connsiteX2" fmla="*/ 1524000 w 1524000"/>
+                <a:gd name="connsiteY2" fmla="*/ 1016000 h 1016000"/>
+                <a:gd name="connsiteX3" fmla="*/ 0 w 1524000"/>
+                <a:gd name="connsiteY3" fmla="*/ 1016000 h 1016000"/>
+                <a:gd name="connsiteX4" fmla="*/ 0 w 1524000"/>
+                <a:gd name="connsiteY4" fmla="*/ 0 h 1016000"/>
+              </a:gdLst>
+              <a:ahLst/>
+              <a:cxnLst>
+                <a:cxn ang="0">
+                  <a:pos x="connsiteX0" y="connsiteY0"/>
+                </a:cxn>
+                <a:cxn ang="0">
+                  <a:pos x="connsiteX1" y="connsiteY1"/>
+                </a:cxn>
+                <a:cxn ang="0">
+                  <a:pos x="connsiteX2" y="connsiteY2"/>
+                </a:cxn>
+                <a:cxn ang="0">
+                  <a:pos x="connsiteX3" y="connsiteY3"/>
+                </a:cxn>
+                <a:cxn ang="0">
+                  <a:pos x="connsiteX4" y="connsiteY4"/>
+                </a:cxn>
+              </a:cxnLst>
+              <a:rect l="l" t="t" r="r" b="b"/>
+              <a:pathLst>
+                <a:path w="1524000" h="1016000">
+                  <a:moveTo>
+                    <a:pt x="0" y="0"/>
+                  </a:moveTo>
+                  <a:lnTo>
+                    <a:pt x="1524000" y="0"/>
+                  </a:lnTo>
+                  <a:lnTo>
+                    <a:pt x="1524000" y="1016000"/>
+                  </a:lnTo>
+                  <a:lnTo>
+                    <a:pt x="0" y="1016000"/>
+                  </a:lnTo>
+                  <a:lnTo>
+                    <a:pt x="0" y="0"/>
+                  </a:lnTo>
+                  <a:close/>
+                </a:path>
+              </a:pathLst>
+            </a:custGeom>
+          </p:spPr>
+          <p:style>
+            <a:lnRef idx="0">
+              <a:schemeClr val="dk1">
+                <a:alpha val="0"/>
+                <a:hueOff val="0"/>
+                <a:satOff val="0"/>
+                <a:lumOff val="0"/>
+                <a:alphaOff val="0"/>
+              </a:schemeClr>
+            </a:lnRef>
+            <a:fillRef idx="0">
+              <a:schemeClr val="lt1">
+                <a:alpha val="0"/>
+                <a:hueOff val="0"/>
+                <a:satOff val="0"/>
+                <a:lumOff val="0"/>
+                <a:alphaOff val="0"/>
+              </a:schemeClr>
+            </a:fillRef>
+            <a:effectRef idx="0">
+              <a:schemeClr val="lt1">
+                <a:alpha val="0"/>
+                <a:hueOff val="0"/>
+                <a:satOff val="0"/>
+                <a:lumOff val="0"/>
+                <a:alphaOff val="0"/>
+              </a:schemeClr>
+            </a:effectRef>
+            <a:fontRef idx="minor">
+              <a:schemeClr val="tx1">
+                <a:hueOff val="0"/>
+                <a:satOff val="0"/>
+                <a:lumOff val="0"/>
+                <a:alphaOff val="0"/>
+              </a:schemeClr>
+            </a:fontRef>
+          </p:style>
+          <p:txBody>
+            <a:bodyPr spcFirstLastPara="0" vert="horz" wrap="square" lIns="156210" tIns="156210" rIns="156210" bIns="156210" numCol="1" spcCol="1270" anchor="ctr" anchorCtr="0">
+              <a:noAutofit/>
+            </a:bodyPr>
+            <a:lstStyle/>
+            <a:p>
+              <a:pPr lvl="0" algn="l" defTabSz="1822450">
+                <a:lnSpc>
+                  <a:spcPct val="90000"/>
+                </a:lnSpc>
+                <a:spcBef>
+                  <a:spcPct val="0"/>
+                </a:spcBef>
+                <a:spcAft>
+                  <a:spcPct val="35000"/>
+                </a:spcAft>
+              </a:pPr>
+              <a:endParaRPr lang="zh-CN" altLang="en-US" sz="4100" kern="1200" dirty="0"/>
+            </a:p>
+          </p:txBody>
+        </p:sp>
+        <p:sp>
+          <p:nvSpPr>
+            <p:cNvPr id="22" name="椭圆 21"/>
+            <p:cNvSpPr/>
+            <p:nvPr/>
+          </p:nvSpPr>
+          <p:spPr>
+            <a:xfrm>
+              <a:off x="9037740" y="4249601"/>
+              <a:ext cx="1016000" cy="1016000"/>
+            </a:xfrm>
+            <a:prstGeom prst="ellipse">
+              <a:avLst/>
+            </a:prstGeom>
+          </p:spPr>
+          <p:style>
+            <a:lnRef idx="0">
+              <a:schemeClr val="lt1">
+                <a:hueOff val="0"/>
+                <a:satOff val="0"/>
+                <a:lumOff val="0"/>
+                <a:alphaOff val="0"/>
+              </a:schemeClr>
+            </a:lnRef>
+            <a:fillRef idx="3">
+              <a:schemeClr val="accent5">
+                <a:hueOff val="0"/>
+                <a:satOff val="0"/>
+                <a:lumOff val="0"/>
+                <a:alphaOff val="0"/>
+              </a:schemeClr>
+            </a:fillRef>
+            <a:effectRef idx="3">
+              <a:schemeClr val="accent5">
+                <a:hueOff val="0"/>
+                <a:satOff val="0"/>
+                <a:lumOff val="0"/>
+                <a:alphaOff val="0"/>
+              </a:schemeClr>
+            </a:effectRef>
+            <a:fontRef idx="minor">
+              <a:schemeClr val="lt1"/>
+            </a:fontRef>
+          </p:style>
+        </p:sp>
+        <p:sp>
+          <p:nvSpPr>
+            <p:cNvPr id="23" name="任意多边形 22"/>
+            <p:cNvSpPr/>
+            <p:nvPr/>
+          </p:nvSpPr>
+          <p:spPr>
+            <a:xfrm>
+              <a:off x="10053741" y="4247061"/>
+              <a:ext cx="1524000" cy="1016000"/>
+            </a:xfrm>
+            <a:custGeom>
+              <a:avLst/>
+              <a:gdLst>
+                <a:gd name="connsiteX0" fmla="*/ 0 w 1524000"/>
+                <a:gd name="connsiteY0" fmla="*/ 0 h 1016000"/>
+                <a:gd name="connsiteX1" fmla="*/ 1524000 w 1524000"/>
+                <a:gd name="connsiteY1" fmla="*/ 0 h 1016000"/>
+                <a:gd name="connsiteX2" fmla="*/ 1524000 w 1524000"/>
+                <a:gd name="connsiteY2" fmla="*/ 1016000 h 1016000"/>
+                <a:gd name="connsiteX3" fmla="*/ 0 w 1524000"/>
+                <a:gd name="connsiteY3" fmla="*/ 1016000 h 1016000"/>
+                <a:gd name="connsiteX4" fmla="*/ 0 w 1524000"/>
+                <a:gd name="connsiteY4" fmla="*/ 0 h 1016000"/>
+              </a:gdLst>
+              <a:ahLst/>
+              <a:cxnLst>
+                <a:cxn ang="0">
+                  <a:pos x="connsiteX0" y="connsiteY0"/>
+                </a:cxn>
+                <a:cxn ang="0">
+                  <a:pos x="connsiteX1" y="connsiteY1"/>
+                </a:cxn>
+                <a:cxn ang="0">
+                  <a:pos x="connsiteX2" y="connsiteY2"/>
+                </a:cxn>
+                <a:cxn ang="0">
+                  <a:pos x="connsiteX3" y="connsiteY3"/>
+                </a:cxn>
+                <a:cxn ang="0">
+                  <a:pos x="connsiteX4" y="connsiteY4"/>
+                </a:cxn>
+              </a:cxnLst>
+              <a:rect l="l" t="t" r="r" b="b"/>
+              <a:pathLst>
+                <a:path w="1524000" h="1016000">
+                  <a:moveTo>
+                    <a:pt x="0" y="0"/>
+                  </a:moveTo>
+                  <a:lnTo>
+                    <a:pt x="1524000" y="0"/>
+                  </a:lnTo>
+                  <a:lnTo>
+                    <a:pt x="1524000" y="1016000"/>
+                  </a:lnTo>
+                  <a:lnTo>
+                    <a:pt x="0" y="1016000"/>
+                  </a:lnTo>
+                  <a:lnTo>
+                    <a:pt x="0" y="0"/>
+                  </a:lnTo>
+                  <a:close/>
+                </a:path>
+              </a:pathLst>
+            </a:custGeom>
+          </p:spPr>
+          <p:style>
+            <a:lnRef idx="0">
+              <a:schemeClr val="dk1">
+                <a:alpha val="0"/>
+                <a:hueOff val="0"/>
+                <a:satOff val="0"/>
+                <a:lumOff val="0"/>
+                <a:alphaOff val="0"/>
+              </a:schemeClr>
+            </a:lnRef>
+            <a:fillRef idx="0">
+              <a:schemeClr val="lt1">
+                <a:alpha val="0"/>
+                <a:hueOff val="0"/>
+                <a:satOff val="0"/>
+                <a:lumOff val="0"/>
+                <a:alphaOff val="0"/>
+              </a:schemeClr>
+            </a:fillRef>
+            <a:effectRef idx="0">
+              <a:schemeClr val="lt1">
+                <a:alpha val="0"/>
+                <a:hueOff val="0"/>
+                <a:satOff val="0"/>
+                <a:lumOff val="0"/>
+                <a:alphaOff val="0"/>
+              </a:schemeClr>
+            </a:effectRef>
+            <a:fontRef idx="minor">
+              <a:schemeClr val="tx1">
+                <a:hueOff val="0"/>
+                <a:satOff val="0"/>
+                <a:lumOff val="0"/>
+                <a:alphaOff val="0"/>
+              </a:schemeClr>
+            </a:fontRef>
+          </p:style>
+          <p:txBody>
+            <a:bodyPr spcFirstLastPara="0" vert="horz" wrap="square" lIns="156210" tIns="156210" rIns="156210" bIns="156210" numCol="1" spcCol="1270" anchor="ctr" anchorCtr="0">
+              <a:noAutofit/>
+            </a:bodyPr>
+            <a:lstStyle/>
+            <a:p>
+              <a:pPr lvl="0" algn="l" defTabSz="1822450">
+                <a:lnSpc>
+                  <a:spcPct val="90000"/>
+                </a:lnSpc>
+                <a:spcBef>
+                  <a:spcPct val="0"/>
+                </a:spcBef>
+                <a:spcAft>
+                  <a:spcPct val="35000"/>
+                </a:spcAft>
+              </a:pPr>
+              <a:endParaRPr lang="zh-CN" altLang="en-US" sz="4100" kern="1200" dirty="0"/>
+            </a:p>
+          </p:txBody>
+        </p:sp>
+      </p:grpSp>
     </p:spTree>
     <p:extLst>
       <p:ext uri="{BB962C8B-B14F-4D97-AF65-F5344CB8AC3E}">
